--- a/xray_whitelist_demo.pptx
+++ b/xray_whitelist_demo.pptx
@@ -6738,7 +6738,7 @@
               <a:pPr algn="ctr"/>
               <a:r>
                 <a:rPr lang="en-CN" sz="1400"/>
-                <a:t>Qing</a:t>
+                <a:t>?</a:t>
               </a:r>
             </a:p>
           </p:txBody>
@@ -6786,14 +6786,7 @@
               <a:pPr algn="ctr"/>
               <a:r>
                 <a:rPr lang="en-CN" sz="1400"/>
-                <a:t>George</a:t>
-              </a:r>
-            </a:p>
-            <a:p>
-              <a:pPr algn="ctr"/>
-              <a:r>
-                <a:rPr lang="en-CN" sz="1400"/>
-                <a:t>Qiang</a:t>
+                <a:t>?</a:t>
               </a:r>
             </a:p>
           </p:txBody>
@@ -6841,7 +6834,7 @@
               <a:pPr algn="ctr"/>
               <a:r>
                 <a:rPr lang="en-CN" sz="1400"/>
-                <a:t>A Zong</a:t>
+                <a:t>?</a:t>
               </a:r>
             </a:p>
           </p:txBody>

--- a/xray_whitelist_demo.pptx
+++ b/xray_whitelist_demo.pptx
@@ -340,7 +340,7 @@
             <a:fld id="{B61BEF0D-F0BB-DE4B-95CE-6DB70DBA9567}" type="datetimeFigureOut">
               <a:rPr lang="en-US" dirty="0"/>
               <a:pPr/>
-              <a:t>5/24/21</a:t>
+              <a:t>5/25/21</a:t>
             </a:fld>
             <a:endParaRPr lang="en-US" dirty="0"/>
           </a:p>
@@ -669,7 +669,7 @@
             <a:fld id="{B61BEF0D-F0BB-DE4B-95CE-6DB70DBA9567}" type="datetimeFigureOut">
               <a:rPr lang="en-US" dirty="0"/>
               <a:pPr/>
-              <a:t>5/24/21</a:t>
+              <a:t>5/25/21</a:t>
             </a:fld>
             <a:endParaRPr lang="en-US" dirty="0"/>
           </a:p>
@@ -943,7 +943,7 @@
             <a:fld id="{B61BEF0D-F0BB-DE4B-95CE-6DB70DBA9567}" type="datetimeFigureOut">
               <a:rPr lang="en-US" dirty="0"/>
               <a:pPr/>
-              <a:t>5/24/21</a:t>
+              <a:t>5/25/21</a:t>
             </a:fld>
             <a:endParaRPr lang="en-US" dirty="0"/>
           </a:p>
@@ -1507,7 +1507,7 @@
             <a:fld id="{B61BEF0D-F0BB-DE4B-95CE-6DB70DBA9567}" type="datetimeFigureOut">
               <a:rPr lang="en-US" dirty="0"/>
               <a:pPr/>
-              <a:t>5/24/21</a:t>
+              <a:t>5/25/21</a:t>
             </a:fld>
             <a:endParaRPr lang="en-US" dirty="0"/>
           </a:p>
@@ -1781,7 +1781,7 @@
             <a:fld id="{B61BEF0D-F0BB-DE4B-95CE-6DB70DBA9567}" type="datetimeFigureOut">
               <a:rPr lang="en-US" dirty="0"/>
               <a:pPr/>
-              <a:t>5/24/21</a:t>
+              <a:t>5/25/21</a:t>
             </a:fld>
             <a:endParaRPr lang="en-US" dirty="0"/>
           </a:p>
@@ -2339,7 +2339,7 @@
             <a:fld id="{B61BEF0D-F0BB-DE4B-95CE-6DB70DBA9567}" type="datetimeFigureOut">
               <a:rPr lang="en-US" dirty="0"/>
               <a:pPr/>
-              <a:t>5/24/21</a:t>
+              <a:t>5/25/21</a:t>
             </a:fld>
             <a:endParaRPr lang="en-US" dirty="0"/>
           </a:p>
@@ -2662,7 +2662,7 @@
             <a:fld id="{B61BEF0D-F0BB-DE4B-95CE-6DB70DBA9567}" type="datetimeFigureOut">
               <a:rPr lang="en-US" dirty="0"/>
               <a:pPr/>
-              <a:t>5/24/21</a:t>
+              <a:t>5/25/21</a:t>
             </a:fld>
             <a:endParaRPr lang="en-US" dirty="0"/>
           </a:p>
@@ -2835,7 +2835,7 @@
             <a:fld id="{B61BEF0D-F0BB-DE4B-95CE-6DB70DBA9567}" type="datetimeFigureOut">
               <a:rPr lang="en-US" dirty="0"/>
               <a:pPr/>
-              <a:t>5/24/21</a:t>
+              <a:t>5/25/21</a:t>
             </a:fld>
             <a:endParaRPr lang="en-US" dirty="0"/>
           </a:p>
@@ -3067,7 +3067,7 @@
             <a:fld id="{B61BEF0D-F0BB-DE4B-95CE-6DB70DBA9567}" type="datetimeFigureOut">
               <a:rPr lang="en-US" dirty="0"/>
               <a:pPr/>
-              <a:t>5/24/21</a:t>
+              <a:t>5/25/21</a:t>
             </a:fld>
             <a:endParaRPr lang="en-US" dirty="0"/>
           </a:p>
@@ -3262,7 +3262,7 @@
             <a:fld id="{B61BEF0D-F0BB-DE4B-95CE-6DB70DBA9567}" type="datetimeFigureOut">
               <a:rPr lang="en-US" dirty="0"/>
               <a:pPr/>
-              <a:t>5/24/21</a:t>
+              <a:t>5/25/21</a:t>
             </a:fld>
             <a:endParaRPr lang="en-US" dirty="0"/>
           </a:p>
@@ -3534,7 +3534,7 @@
             <a:fld id="{B61BEF0D-F0BB-DE4B-95CE-6DB70DBA9567}" type="datetimeFigureOut">
               <a:rPr lang="en-US" dirty="0"/>
               <a:pPr/>
-              <a:t>5/24/21</a:t>
+              <a:t>5/25/21</a:t>
             </a:fld>
             <a:endParaRPr lang="en-US" dirty="0"/>
           </a:p>
@@ -3794,7 +3794,7 @@
             <a:fld id="{B61BEF0D-F0BB-DE4B-95CE-6DB70DBA9567}" type="datetimeFigureOut">
               <a:rPr lang="en-US" dirty="0"/>
               <a:pPr/>
-              <a:t>5/24/21</a:t>
+              <a:t>5/25/21</a:t>
             </a:fld>
             <a:endParaRPr lang="en-US" dirty="0"/>
           </a:p>
@@ -4162,7 +4162,7 @@
             <a:fld id="{B61BEF0D-F0BB-DE4B-95CE-6DB70DBA9567}" type="datetimeFigureOut">
               <a:rPr lang="en-US" dirty="0"/>
               <a:pPr/>
-              <a:t>5/24/21</a:t>
+              <a:t>5/25/21</a:t>
             </a:fld>
             <a:endParaRPr lang="en-US" dirty="0"/>
           </a:p>
@@ -4306,7 +4306,7 @@
             <a:fld id="{B61BEF0D-F0BB-DE4B-95CE-6DB70DBA9567}" type="datetimeFigureOut">
               <a:rPr lang="en-US" dirty="0"/>
               <a:pPr/>
-              <a:t>5/24/21</a:t>
+              <a:t>5/25/21</a:t>
             </a:fld>
             <a:endParaRPr lang="en-US" dirty="0"/>
           </a:p>
@@ -4428,7 +4428,7 @@
             <a:fld id="{B61BEF0D-F0BB-DE4B-95CE-6DB70DBA9567}" type="datetimeFigureOut">
               <a:rPr lang="en-US" dirty="0"/>
               <a:pPr/>
-              <a:t>5/24/21</a:t>
+              <a:t>5/25/21</a:t>
             </a:fld>
             <a:endParaRPr lang="en-US" dirty="0"/>
           </a:p>
@@ -4708,7 +4708,7 @@
             <a:fld id="{B61BEF0D-F0BB-DE4B-95CE-6DB70DBA9567}" type="datetimeFigureOut">
               <a:rPr lang="en-US" dirty="0"/>
               <a:pPr/>
-              <a:t>5/24/21</a:t>
+              <a:t>5/25/21</a:t>
             </a:fld>
             <a:endParaRPr lang="en-US" dirty="0"/>
           </a:p>
@@ -5027,7 +5027,7 @@
             <a:fld id="{B61BEF0D-F0BB-DE4B-95CE-6DB70DBA9567}" type="datetimeFigureOut">
               <a:rPr lang="en-US" dirty="0"/>
               <a:pPr/>
-              <a:t>5/24/21</a:t>
+              <a:t>5/25/21</a:t>
             </a:fld>
             <a:endParaRPr lang="en-US" dirty="0"/>
           </a:p>
@@ -5236,7 +5236,7 @@
             <a:fld id="{B61BEF0D-F0BB-DE4B-95CE-6DB70DBA9567}" type="datetimeFigureOut">
               <a:rPr lang="en-US" dirty="0"/>
               <a:pPr/>
-              <a:t>5/24/21</a:t>
+              <a:t>5/25/21</a:t>
             </a:fld>
             <a:endParaRPr lang="en-US" dirty="0"/>
           </a:p>
@@ -5982,699 +5982,636 @@
           </p:txBody>
         </p:sp>
       </p:grpSp>
-      <p:grpSp>
-        <p:nvGrpSpPr>
-          <p:cNvPr id="35" name="Group 34">
+      <p:sp>
+        <p:nvSpPr>
+          <p:cNvPr id="25" name="Rectangle 24">
             <a:extLst>
               <a:ext uri="{FF2B5EF4-FFF2-40B4-BE49-F238E27FC236}">
-                <a16:creationId xmlns:a16="http://schemas.microsoft.com/office/drawing/2014/main" id="{DD2AD66A-FFCD-BC41-93AC-689865F24E2F}"/>
+                <a16:creationId xmlns:a16="http://schemas.microsoft.com/office/drawing/2014/main" id="{DA47DD99-BB9B-8747-8F47-F3994E84E0E3}"/>
               </a:ext>
             </a:extLst>
           </p:cNvPr>
-          <p:cNvGrpSpPr/>
+          <p:cNvSpPr/>
           <p:nvPr/>
-        </p:nvGrpSpPr>
-        <p:grpSpPr>
+        </p:nvSpPr>
+        <p:spPr>
           <a:xfrm>
             <a:off x="2285998" y="2135459"/>
-            <a:ext cx="6834738" cy="423739"/>
-            <a:chOff x="2443975" y="2139361"/>
-            <a:chExt cx="6834738" cy="423739"/>
-          </a:xfrm>
-        </p:grpSpPr>
-        <p:sp>
-          <p:nvSpPr>
-            <p:cNvPr id="25" name="Rectangle 24">
-              <a:extLst>
-                <a:ext uri="{FF2B5EF4-FFF2-40B4-BE49-F238E27FC236}">
-                  <a16:creationId xmlns:a16="http://schemas.microsoft.com/office/drawing/2014/main" id="{DA47DD99-BB9B-8747-8F47-F3994E84E0E3}"/>
-                </a:ext>
-              </a:extLst>
-            </p:cNvPr>
-            <p:cNvSpPr/>
-            <p:nvPr/>
-          </p:nvSpPr>
-          <p:spPr>
-            <a:xfrm>
-              <a:off x="2443975" y="2139361"/>
-              <a:ext cx="1468245" cy="423739"/>
-            </a:xfrm>
-            <a:prstGeom prst="rect">
-              <a:avLst/>
-            </a:prstGeom>
-            <a:ln/>
-          </p:spPr>
-          <p:style>
-            <a:lnRef idx="2">
-              <a:schemeClr val="accent1"/>
-            </a:lnRef>
-            <a:fillRef idx="1">
-              <a:schemeClr val="lt1"/>
-            </a:fillRef>
-            <a:effectRef idx="0">
-              <a:schemeClr val="accent1"/>
-            </a:effectRef>
-            <a:fontRef idx="minor">
-              <a:schemeClr val="dk1"/>
-            </a:fontRef>
-          </p:style>
-          <p:txBody>
-            <a:bodyPr rtlCol="0" anchor="ctr"/>
-            <a:lstStyle/>
-            <a:p>
-              <a:pPr algn="ctr"/>
-              <a:r>
-                <a:rPr lang="en-CN" sz="1400"/>
-                <a:t>Developer</a:t>
-              </a:r>
-            </a:p>
-          </p:txBody>
-        </p:sp>
-        <p:sp>
-          <p:nvSpPr>
-            <p:cNvPr id="28" name="Rectangle 27">
-              <a:extLst>
-                <a:ext uri="{FF2B5EF4-FFF2-40B4-BE49-F238E27FC236}">
-                  <a16:creationId xmlns:a16="http://schemas.microsoft.com/office/drawing/2014/main" id="{53AAF546-8008-B740-B11C-384D461A6522}"/>
-                </a:ext>
-              </a:extLst>
-            </p:cNvPr>
-            <p:cNvSpPr/>
-            <p:nvPr/>
-          </p:nvSpPr>
-          <p:spPr>
-            <a:xfrm>
-              <a:off x="7810468" y="2139361"/>
-              <a:ext cx="1468245" cy="423739"/>
-            </a:xfrm>
-            <a:prstGeom prst="rect">
-              <a:avLst/>
-            </a:prstGeom>
-            <a:ln/>
-          </p:spPr>
-          <p:style>
-            <a:lnRef idx="2">
-              <a:schemeClr val="accent1"/>
-            </a:lnRef>
-            <a:fillRef idx="1">
-              <a:schemeClr val="lt1"/>
-            </a:fillRef>
-            <a:effectRef idx="0">
-              <a:schemeClr val="accent1"/>
-            </a:effectRef>
-            <a:fontRef idx="minor">
-              <a:schemeClr val="dk1"/>
-            </a:fontRef>
-          </p:style>
-          <p:txBody>
-            <a:bodyPr rtlCol="0" anchor="ctr"/>
-            <a:lstStyle/>
-            <a:p>
-              <a:pPr algn="ctr"/>
-              <a:r>
-                <a:rPr lang="en-CN" sz="1400"/>
-                <a:t>Admin</a:t>
-              </a:r>
-            </a:p>
-          </p:txBody>
-        </p:sp>
-      </p:grpSp>
-      <p:grpSp>
-        <p:nvGrpSpPr>
-          <p:cNvPr id="36" name="Group 35">
+            <a:ext cx="1468245" cy="423739"/>
+          </a:xfrm>
+          <a:prstGeom prst="rect">
+            <a:avLst/>
+          </a:prstGeom>
+          <a:ln/>
+        </p:spPr>
+        <p:style>
+          <a:lnRef idx="2">
+            <a:schemeClr val="accent1"/>
+          </a:lnRef>
+          <a:fillRef idx="1">
+            <a:schemeClr val="lt1"/>
+          </a:fillRef>
+          <a:effectRef idx="0">
+            <a:schemeClr val="accent1"/>
+          </a:effectRef>
+          <a:fontRef idx="minor">
+            <a:schemeClr val="dk1"/>
+          </a:fontRef>
+        </p:style>
+        <p:txBody>
+          <a:bodyPr rtlCol="0" anchor="ctr"/>
+          <a:lstStyle/>
+          <a:p>
+            <a:pPr algn="ctr"/>
+            <a:r>
+              <a:rPr lang="en-CN" sz="1400"/>
+              <a:t>Developer</a:t>
+            </a:r>
+          </a:p>
+        </p:txBody>
+      </p:sp>
+      <p:sp>
+        <p:nvSpPr>
+          <p:cNvPr id="28" name="Rectangle 27">
             <a:extLst>
               <a:ext uri="{FF2B5EF4-FFF2-40B4-BE49-F238E27FC236}">
-                <a16:creationId xmlns:a16="http://schemas.microsoft.com/office/drawing/2014/main" id="{3360D59E-64F4-BE47-BEB3-6691B5E411A2}"/>
+                <a16:creationId xmlns:a16="http://schemas.microsoft.com/office/drawing/2014/main" id="{53AAF546-8008-B740-B11C-384D461A6522}"/>
               </a:ext>
             </a:extLst>
           </p:cNvPr>
-          <p:cNvGrpSpPr/>
+          <p:cNvSpPr/>
           <p:nvPr/>
-        </p:nvGrpSpPr>
-        <p:grpSpPr>
-          <a:xfrm>
-            <a:off x="2285998" y="3362100"/>
-            <a:ext cx="8623567" cy="423739"/>
-            <a:chOff x="2443975" y="2139361"/>
-            <a:chExt cx="8623567" cy="423739"/>
-          </a:xfrm>
-        </p:grpSpPr>
-        <p:sp>
-          <p:nvSpPr>
-            <p:cNvPr id="37" name="Rectangle 36">
-              <a:extLst>
-                <a:ext uri="{FF2B5EF4-FFF2-40B4-BE49-F238E27FC236}">
-                  <a16:creationId xmlns:a16="http://schemas.microsoft.com/office/drawing/2014/main" id="{6CB306AC-CC32-834E-B508-85D96D0BB274}"/>
-                </a:ext>
-              </a:extLst>
-            </p:cNvPr>
-            <p:cNvSpPr/>
-            <p:nvPr/>
-          </p:nvSpPr>
-          <p:spPr>
-            <a:xfrm>
-              <a:off x="2443975" y="2139361"/>
-              <a:ext cx="1468245" cy="423739"/>
-            </a:xfrm>
-            <a:prstGeom prst="rect">
-              <a:avLst/>
-            </a:prstGeom>
-            <a:ln>
-              <a:noFill/>
-            </a:ln>
-          </p:spPr>
-          <p:style>
-            <a:lnRef idx="2">
-              <a:schemeClr val="accent3">
-                <a:shade val="50000"/>
-              </a:schemeClr>
-            </a:lnRef>
-            <a:fillRef idx="1">
-              <a:schemeClr val="accent3"/>
-            </a:fillRef>
-            <a:effectRef idx="0">
-              <a:schemeClr val="accent3"/>
-            </a:effectRef>
-            <a:fontRef idx="minor">
-              <a:schemeClr val="lt1"/>
-            </a:fontRef>
-          </p:style>
-          <p:txBody>
-            <a:bodyPr rtlCol="0" anchor="ctr"/>
-            <a:lstStyle/>
-            <a:p>
-              <a:pPr algn="ctr"/>
-              <a:r>
-                <a:rPr lang="en-CN" sz="1400"/>
-                <a:t>Be Blocked</a:t>
-              </a:r>
-            </a:p>
-          </p:txBody>
-        </p:sp>
-        <p:sp>
-          <p:nvSpPr>
-            <p:cNvPr id="38" name="Rectangle 37">
-              <a:extLst>
-                <a:ext uri="{FF2B5EF4-FFF2-40B4-BE49-F238E27FC236}">
-                  <a16:creationId xmlns:a16="http://schemas.microsoft.com/office/drawing/2014/main" id="{4842D8FB-2476-024B-AA2B-5A70F6AA2AB5}"/>
-                </a:ext>
-              </a:extLst>
-            </p:cNvPr>
-            <p:cNvSpPr/>
-            <p:nvPr/>
-          </p:nvSpPr>
-          <p:spPr>
-            <a:xfrm>
-              <a:off x="4232806" y="2139361"/>
-              <a:ext cx="1468245" cy="423739"/>
-            </a:xfrm>
-            <a:prstGeom prst="rect">
-              <a:avLst/>
-            </a:prstGeom>
-            <a:ln>
-              <a:noFill/>
-            </a:ln>
-          </p:spPr>
-          <p:style>
-            <a:lnRef idx="2">
-              <a:schemeClr val="accent3">
-                <a:shade val="50000"/>
-              </a:schemeClr>
-            </a:lnRef>
-            <a:fillRef idx="1">
-              <a:schemeClr val="accent3"/>
-            </a:fillRef>
-            <a:effectRef idx="0">
-              <a:schemeClr val="accent3"/>
-            </a:effectRef>
-            <a:fontRef idx="minor">
-              <a:schemeClr val="lt1"/>
-            </a:fontRef>
-          </p:style>
-          <p:txBody>
-            <a:bodyPr rtlCol="0" anchor="ctr"/>
-            <a:lstStyle/>
-            <a:p>
-              <a:pPr algn="ctr"/>
-              <a:r>
-                <a:rPr lang="en-CN" sz="1400"/>
-                <a:t>Request</a:t>
-              </a:r>
-            </a:p>
-          </p:txBody>
-        </p:sp>
-        <p:sp>
-          <p:nvSpPr>
-            <p:cNvPr id="39" name="Rectangle 38">
-              <a:extLst>
-                <a:ext uri="{FF2B5EF4-FFF2-40B4-BE49-F238E27FC236}">
-                  <a16:creationId xmlns:a16="http://schemas.microsoft.com/office/drawing/2014/main" id="{B5242AC4-1065-E641-B373-24DF5E2C271E}"/>
-                </a:ext>
-              </a:extLst>
-            </p:cNvPr>
-            <p:cNvSpPr/>
-            <p:nvPr/>
-          </p:nvSpPr>
-          <p:spPr>
-            <a:xfrm>
-              <a:off x="6021637" y="2139361"/>
-              <a:ext cx="1468245" cy="423739"/>
-            </a:xfrm>
-            <a:prstGeom prst="rect">
-              <a:avLst/>
-            </a:prstGeom>
-            <a:ln>
-              <a:noFill/>
-            </a:ln>
-          </p:spPr>
-          <p:style>
-            <a:lnRef idx="2">
-              <a:schemeClr val="accent3">
-                <a:shade val="50000"/>
-              </a:schemeClr>
-            </a:lnRef>
-            <a:fillRef idx="1">
-              <a:schemeClr val="accent3"/>
-            </a:fillRef>
-            <a:effectRef idx="0">
-              <a:schemeClr val="accent3"/>
-            </a:effectRef>
-            <a:fontRef idx="minor">
-              <a:schemeClr val="lt1"/>
-            </a:fontRef>
-          </p:style>
-          <p:txBody>
-            <a:bodyPr rtlCol="0" anchor="ctr"/>
-            <a:lstStyle/>
-            <a:p>
-              <a:pPr algn="ctr"/>
-              <a:r>
-                <a:rPr lang="en-CN" sz="1400"/>
-                <a:t>Record/Notify</a:t>
-              </a:r>
-            </a:p>
-          </p:txBody>
-        </p:sp>
-        <p:sp>
-          <p:nvSpPr>
-            <p:cNvPr id="40" name="Rectangle 39">
-              <a:extLst>
-                <a:ext uri="{FF2B5EF4-FFF2-40B4-BE49-F238E27FC236}">
-                  <a16:creationId xmlns:a16="http://schemas.microsoft.com/office/drawing/2014/main" id="{78A9D56F-43CC-044F-90E0-4065CDA1DAEC}"/>
-                </a:ext>
-              </a:extLst>
-            </p:cNvPr>
-            <p:cNvSpPr/>
-            <p:nvPr/>
-          </p:nvSpPr>
-          <p:spPr>
-            <a:xfrm>
-              <a:off x="7810468" y="2139361"/>
-              <a:ext cx="1468245" cy="423739"/>
-            </a:xfrm>
-            <a:prstGeom prst="rect">
-              <a:avLst/>
-            </a:prstGeom>
-            <a:ln>
-              <a:noFill/>
-            </a:ln>
-          </p:spPr>
-          <p:style>
-            <a:lnRef idx="2">
-              <a:schemeClr val="accent3">
-                <a:shade val="50000"/>
-              </a:schemeClr>
-            </a:lnRef>
-            <a:fillRef idx="1">
-              <a:schemeClr val="accent3"/>
-            </a:fillRef>
-            <a:effectRef idx="0">
-              <a:schemeClr val="accent3"/>
-            </a:effectRef>
-            <a:fontRef idx="minor">
-              <a:schemeClr val="lt1"/>
-            </a:fontRef>
-          </p:style>
-          <p:txBody>
-            <a:bodyPr rtlCol="0" anchor="ctr"/>
-            <a:lstStyle/>
-            <a:p>
-              <a:pPr algn="ctr"/>
-              <a:r>
-                <a:rPr lang="en-CN" sz="1400"/>
-                <a:t>Approve</a:t>
-              </a:r>
-            </a:p>
-          </p:txBody>
-        </p:sp>
-        <p:sp>
-          <p:nvSpPr>
-            <p:cNvPr id="41" name="Rectangle 40">
-              <a:extLst>
-                <a:ext uri="{FF2B5EF4-FFF2-40B4-BE49-F238E27FC236}">
-                  <a16:creationId xmlns:a16="http://schemas.microsoft.com/office/drawing/2014/main" id="{4EE2378B-3F7D-C948-AF6A-473950B083A6}"/>
-                </a:ext>
-              </a:extLst>
-            </p:cNvPr>
-            <p:cNvSpPr/>
-            <p:nvPr/>
-          </p:nvSpPr>
-          <p:spPr>
-            <a:xfrm>
-              <a:off x="9599297" y="2139361"/>
-              <a:ext cx="1468245" cy="423739"/>
-            </a:xfrm>
-            <a:prstGeom prst="rect">
-              <a:avLst/>
-            </a:prstGeom>
-            <a:ln>
-              <a:noFill/>
-            </a:ln>
-          </p:spPr>
-          <p:style>
-            <a:lnRef idx="2">
-              <a:schemeClr val="accent3">
-                <a:shade val="50000"/>
-              </a:schemeClr>
-            </a:lnRef>
-            <a:fillRef idx="1">
-              <a:schemeClr val="accent3"/>
-            </a:fillRef>
-            <a:effectRef idx="0">
-              <a:schemeClr val="accent3"/>
-            </a:effectRef>
-            <a:fontRef idx="minor">
-              <a:schemeClr val="lt1"/>
-            </a:fontRef>
-          </p:style>
-          <p:txBody>
-            <a:bodyPr rtlCol="0" anchor="ctr"/>
-            <a:lstStyle/>
-            <a:p>
-              <a:pPr algn="ctr"/>
-              <a:r>
-                <a:rPr lang="en-CN" sz="1400"/>
-                <a:t>Whitelisted</a:t>
-              </a:r>
-            </a:p>
-          </p:txBody>
-        </p:sp>
-      </p:grpSp>
-      <p:grpSp>
-        <p:nvGrpSpPr>
-          <p:cNvPr id="42" name="Group 41">
+        </p:nvSpPr>
+        <p:spPr>
+          <a:xfrm>
+            <a:off x="7652491" y="2135459"/>
+            <a:ext cx="1468245" cy="423739"/>
+          </a:xfrm>
+          <a:prstGeom prst="rect">
+            <a:avLst/>
+          </a:prstGeom>
+          <a:ln/>
+        </p:spPr>
+        <p:style>
+          <a:lnRef idx="2">
+            <a:schemeClr val="accent1"/>
+          </a:lnRef>
+          <a:fillRef idx="1">
+            <a:schemeClr val="lt1"/>
+          </a:fillRef>
+          <a:effectRef idx="0">
+            <a:schemeClr val="accent1"/>
+          </a:effectRef>
+          <a:fontRef idx="minor">
+            <a:schemeClr val="dk1"/>
+          </a:fontRef>
+        </p:style>
+        <p:txBody>
+          <a:bodyPr rtlCol="0" anchor="ctr"/>
+          <a:lstStyle/>
+          <a:p>
+            <a:pPr algn="ctr"/>
+            <a:r>
+              <a:rPr lang="en-CN" sz="1400"/>
+              <a:t>Admin</a:t>
+            </a:r>
+          </a:p>
+        </p:txBody>
+      </p:sp>
+      <p:sp>
+        <p:nvSpPr>
+          <p:cNvPr id="37" name="Rectangle 36">
             <a:extLst>
               <a:ext uri="{FF2B5EF4-FFF2-40B4-BE49-F238E27FC236}">
-                <a16:creationId xmlns:a16="http://schemas.microsoft.com/office/drawing/2014/main" id="{6B11BCCD-1211-6948-A7A6-6F4B7CF2ACC0}"/>
+                <a16:creationId xmlns:a16="http://schemas.microsoft.com/office/drawing/2014/main" id="{6CB306AC-CC32-834E-B508-85D96D0BB274}"/>
               </a:ext>
             </a:extLst>
           </p:cNvPr>
-          <p:cNvGrpSpPr/>
+          <p:cNvSpPr/>
           <p:nvPr/>
-        </p:nvGrpSpPr>
-        <p:grpSpPr>
-          <a:xfrm>
-            <a:off x="2285998" y="4399158"/>
-            <a:ext cx="8623567" cy="802901"/>
-            <a:chOff x="2443975" y="1949779"/>
-            <a:chExt cx="8623567" cy="802901"/>
-          </a:xfrm>
-        </p:grpSpPr>
-        <p:sp>
-          <p:nvSpPr>
-            <p:cNvPr id="43" name="Rectangle 42">
-              <a:extLst>
-                <a:ext uri="{FF2B5EF4-FFF2-40B4-BE49-F238E27FC236}">
-                  <a16:creationId xmlns:a16="http://schemas.microsoft.com/office/drawing/2014/main" id="{15BAB13F-7751-734F-B354-333ADF622436}"/>
-                </a:ext>
-              </a:extLst>
-            </p:cNvPr>
-            <p:cNvSpPr/>
-            <p:nvPr/>
-          </p:nvSpPr>
-          <p:spPr>
-            <a:xfrm>
-              <a:off x="2443975" y="2139361"/>
-              <a:ext cx="1468245" cy="423739"/>
-            </a:xfrm>
-            <a:prstGeom prst="rect">
-              <a:avLst/>
-            </a:prstGeom>
-            <a:ln>
-              <a:noFill/>
-            </a:ln>
-          </p:spPr>
-          <p:style>
-            <a:lnRef idx="2">
-              <a:schemeClr val="accent3">
-                <a:shade val="50000"/>
-              </a:schemeClr>
-            </a:lnRef>
-            <a:fillRef idx="1">
-              <a:schemeClr val="accent3"/>
-            </a:fillRef>
-            <a:effectRef idx="0">
-              <a:schemeClr val="accent3"/>
-            </a:effectRef>
-            <a:fontRef idx="minor">
-              <a:schemeClr val="lt1"/>
-            </a:fontRef>
-          </p:style>
-          <p:txBody>
-            <a:bodyPr rtlCol="0" anchor="ctr"/>
-            <a:lstStyle/>
-            <a:p>
-              <a:pPr algn="ctr"/>
-              <a:r>
-                <a:rPr lang="en-CN" sz="1400"/>
-                <a:t>Block Download </a:t>
-              </a:r>
-            </a:p>
-          </p:txBody>
-        </p:sp>
-        <p:sp>
-          <p:nvSpPr>
-            <p:cNvPr id="44" name="Rectangle 43">
-              <a:extLst>
-                <a:ext uri="{FF2B5EF4-FFF2-40B4-BE49-F238E27FC236}">
-                  <a16:creationId xmlns:a16="http://schemas.microsoft.com/office/drawing/2014/main" id="{C86D9738-A336-DC48-AF14-A2B488A353E2}"/>
-                </a:ext>
-              </a:extLst>
-            </p:cNvPr>
-            <p:cNvSpPr/>
-            <p:nvPr/>
-          </p:nvSpPr>
-          <p:spPr>
-            <a:xfrm>
-              <a:off x="4232806" y="2139361"/>
-              <a:ext cx="1468245" cy="423739"/>
-            </a:xfrm>
-            <a:prstGeom prst="rect">
-              <a:avLst/>
-            </a:prstGeom>
-            <a:ln>
-              <a:noFill/>
-            </a:ln>
-          </p:spPr>
-          <p:style>
-            <a:lnRef idx="2">
-              <a:schemeClr val="accent3">
-                <a:shade val="50000"/>
-              </a:schemeClr>
-            </a:lnRef>
-            <a:fillRef idx="1">
-              <a:schemeClr val="accent3"/>
-            </a:fillRef>
-            <a:effectRef idx="0">
-              <a:schemeClr val="accent3"/>
-            </a:effectRef>
-            <a:fontRef idx="minor">
-              <a:schemeClr val="lt1"/>
-            </a:fontRef>
-          </p:style>
-          <p:txBody>
-            <a:bodyPr rtlCol="0" anchor="ctr"/>
-            <a:lstStyle/>
-            <a:p>
-              <a:pPr algn="ctr"/>
-              <a:r>
-                <a:rPr lang="en-CN" sz="1400"/>
-                <a:t>Xray IDE Plugin</a:t>
-              </a:r>
-            </a:p>
-          </p:txBody>
-        </p:sp>
-        <p:sp>
-          <p:nvSpPr>
-            <p:cNvPr id="45" name="Rectangle 44">
-              <a:extLst>
-                <a:ext uri="{FF2B5EF4-FFF2-40B4-BE49-F238E27FC236}">
-                  <a16:creationId xmlns:a16="http://schemas.microsoft.com/office/drawing/2014/main" id="{3FD527FF-629D-0C4D-9AD0-FCF2B5D2AE12}"/>
-                </a:ext>
-              </a:extLst>
-            </p:cNvPr>
-            <p:cNvSpPr/>
-            <p:nvPr/>
-          </p:nvSpPr>
-          <p:spPr>
-            <a:xfrm>
-              <a:off x="6021637" y="1949779"/>
-              <a:ext cx="1468245" cy="802901"/>
-            </a:xfrm>
-            <a:prstGeom prst="rect">
-              <a:avLst/>
-            </a:prstGeom>
-            <a:ln>
-              <a:noFill/>
-            </a:ln>
-          </p:spPr>
-          <p:style>
-            <a:lnRef idx="2">
-              <a:schemeClr val="accent3">
-                <a:shade val="50000"/>
-              </a:schemeClr>
-            </a:lnRef>
-            <a:fillRef idx="1">
-              <a:schemeClr val="accent3"/>
-            </a:fillRef>
-            <a:effectRef idx="0">
-              <a:schemeClr val="accent3"/>
-            </a:effectRef>
-            <a:fontRef idx="minor">
-              <a:schemeClr val="lt1"/>
-            </a:fontRef>
-          </p:style>
-          <p:txBody>
-            <a:bodyPr rtlCol="0" anchor="ctr"/>
-            <a:lstStyle/>
-            <a:p>
-              <a:pPr algn="ctr"/>
-              <a:r>
-                <a:rPr lang="en-CN" sz="1400"/>
-                <a:t>Meta data</a:t>
-              </a:r>
-            </a:p>
-            <a:p>
-              <a:pPr algn="ctr"/>
-              <a:r>
-                <a:rPr lang="en-CN" sz="1400"/>
-                <a:t>Webhook</a:t>
-              </a:r>
-            </a:p>
-            <a:p>
-              <a:pPr algn="ctr"/>
-              <a:r>
-                <a:rPr lang="en-CN" sz="1400"/>
-                <a:t>Generic Repo</a:t>
-              </a:r>
-            </a:p>
-          </p:txBody>
-        </p:sp>
-        <p:sp>
-          <p:nvSpPr>
-            <p:cNvPr id="46" name="Rectangle 45">
-              <a:extLst>
-                <a:ext uri="{FF2B5EF4-FFF2-40B4-BE49-F238E27FC236}">
-                  <a16:creationId xmlns:a16="http://schemas.microsoft.com/office/drawing/2014/main" id="{A9C31746-846A-BB43-A7E3-71BE57A82CC1}"/>
-                </a:ext>
-              </a:extLst>
-            </p:cNvPr>
-            <p:cNvSpPr/>
-            <p:nvPr/>
-          </p:nvSpPr>
-          <p:spPr>
-            <a:xfrm>
-              <a:off x="7810468" y="2139361"/>
-              <a:ext cx="1468245" cy="423739"/>
-            </a:xfrm>
-            <a:prstGeom prst="rect">
-              <a:avLst/>
-            </a:prstGeom>
-            <a:ln>
-              <a:noFill/>
-            </a:ln>
-          </p:spPr>
-          <p:style>
-            <a:lnRef idx="2">
-              <a:schemeClr val="accent3">
-                <a:shade val="50000"/>
-              </a:schemeClr>
-            </a:lnRef>
-            <a:fillRef idx="1">
-              <a:schemeClr val="accent3"/>
-            </a:fillRef>
-            <a:effectRef idx="0">
-              <a:schemeClr val="accent3"/>
-            </a:effectRef>
-            <a:fontRef idx="minor">
-              <a:schemeClr val="lt1"/>
-            </a:fontRef>
-          </p:style>
-          <p:txBody>
-            <a:bodyPr rtlCol="0" anchor="ctr"/>
-            <a:lstStyle/>
-            <a:p>
-              <a:pPr algn="ctr"/>
-              <a:r>
-                <a:rPr lang="en-CN" sz="1400"/>
-                <a:t>API/AQL</a:t>
-              </a:r>
-            </a:p>
-          </p:txBody>
-        </p:sp>
-        <p:sp>
-          <p:nvSpPr>
-            <p:cNvPr id="47" name="Rectangle 46">
-              <a:extLst>
-                <a:ext uri="{FF2B5EF4-FFF2-40B4-BE49-F238E27FC236}">
-                  <a16:creationId xmlns:a16="http://schemas.microsoft.com/office/drawing/2014/main" id="{94B58766-A94D-354D-853C-1737DD989949}"/>
-                </a:ext>
-              </a:extLst>
-            </p:cNvPr>
-            <p:cNvSpPr/>
-            <p:nvPr/>
-          </p:nvSpPr>
-          <p:spPr>
-            <a:xfrm>
-              <a:off x="9599297" y="2139361"/>
-              <a:ext cx="1468245" cy="423739"/>
-            </a:xfrm>
-            <a:prstGeom prst="rect">
-              <a:avLst/>
-            </a:prstGeom>
-            <a:ln>
-              <a:noFill/>
-            </a:ln>
-          </p:spPr>
-          <p:style>
-            <a:lnRef idx="2">
-              <a:schemeClr val="accent3">
-                <a:shade val="50000"/>
-              </a:schemeClr>
-            </a:lnRef>
-            <a:fillRef idx="1">
-              <a:schemeClr val="accent3"/>
-            </a:fillRef>
-            <a:effectRef idx="0">
-              <a:schemeClr val="accent3"/>
-            </a:effectRef>
-            <a:fontRef idx="minor">
-              <a:schemeClr val="lt1"/>
-            </a:fontRef>
-          </p:style>
-          <p:txBody>
-            <a:bodyPr rtlCol="0" anchor="ctr"/>
-            <a:lstStyle/>
-            <a:p>
-              <a:pPr algn="ctr"/>
-              <a:r>
-                <a:rPr lang="en-CN" sz="1400"/>
-                <a:t>Virtual Repo</a:t>
-              </a:r>
-            </a:p>
-          </p:txBody>
-        </p:sp>
-      </p:grpSp>
+        </p:nvSpPr>
+        <p:spPr>
+          <a:xfrm>
+            <a:off x="2285998" y="3362100"/>
+            <a:ext cx="1468245" cy="423739"/>
+          </a:xfrm>
+          <a:prstGeom prst="rect">
+            <a:avLst/>
+          </a:prstGeom>
+          <a:ln>
+            <a:noFill/>
+          </a:ln>
+        </p:spPr>
+        <p:style>
+          <a:lnRef idx="2">
+            <a:schemeClr val="accent3">
+              <a:shade val="50000"/>
+            </a:schemeClr>
+          </a:lnRef>
+          <a:fillRef idx="1">
+            <a:schemeClr val="accent3"/>
+          </a:fillRef>
+          <a:effectRef idx="0">
+            <a:schemeClr val="accent3"/>
+          </a:effectRef>
+          <a:fontRef idx="minor">
+            <a:schemeClr val="lt1"/>
+          </a:fontRef>
+        </p:style>
+        <p:txBody>
+          <a:bodyPr rtlCol="0" anchor="ctr"/>
+          <a:lstStyle/>
+          <a:p>
+            <a:pPr algn="ctr"/>
+            <a:r>
+              <a:rPr lang="en-CN" sz="1400"/>
+              <a:t>Be Blocked</a:t>
+            </a:r>
+          </a:p>
+        </p:txBody>
+      </p:sp>
+      <p:sp>
+        <p:nvSpPr>
+          <p:cNvPr id="38" name="Rectangle 37">
+            <a:extLst>
+              <a:ext uri="{FF2B5EF4-FFF2-40B4-BE49-F238E27FC236}">
+                <a16:creationId xmlns:a16="http://schemas.microsoft.com/office/drawing/2014/main" id="{4842D8FB-2476-024B-AA2B-5A70F6AA2AB5}"/>
+              </a:ext>
+            </a:extLst>
+          </p:cNvPr>
+          <p:cNvSpPr/>
+          <p:nvPr/>
+        </p:nvSpPr>
+        <p:spPr>
+          <a:xfrm>
+            <a:off x="4074829" y="3362100"/>
+            <a:ext cx="1468245" cy="423739"/>
+          </a:xfrm>
+          <a:prstGeom prst="rect">
+            <a:avLst/>
+          </a:prstGeom>
+          <a:ln>
+            <a:noFill/>
+          </a:ln>
+        </p:spPr>
+        <p:style>
+          <a:lnRef idx="2">
+            <a:schemeClr val="accent3">
+              <a:shade val="50000"/>
+            </a:schemeClr>
+          </a:lnRef>
+          <a:fillRef idx="1">
+            <a:schemeClr val="accent3"/>
+          </a:fillRef>
+          <a:effectRef idx="0">
+            <a:schemeClr val="accent3"/>
+          </a:effectRef>
+          <a:fontRef idx="minor">
+            <a:schemeClr val="lt1"/>
+          </a:fontRef>
+        </p:style>
+        <p:txBody>
+          <a:bodyPr rtlCol="0" anchor="ctr"/>
+          <a:lstStyle/>
+          <a:p>
+            <a:pPr algn="ctr"/>
+            <a:r>
+              <a:rPr lang="en-CN" sz="1400"/>
+              <a:t>Request</a:t>
+            </a:r>
+          </a:p>
+        </p:txBody>
+      </p:sp>
+      <p:sp>
+        <p:nvSpPr>
+          <p:cNvPr id="39" name="Rectangle 38">
+            <a:extLst>
+              <a:ext uri="{FF2B5EF4-FFF2-40B4-BE49-F238E27FC236}">
+                <a16:creationId xmlns:a16="http://schemas.microsoft.com/office/drawing/2014/main" id="{B5242AC4-1065-E641-B373-24DF5E2C271E}"/>
+              </a:ext>
+            </a:extLst>
+          </p:cNvPr>
+          <p:cNvSpPr/>
+          <p:nvPr/>
+        </p:nvSpPr>
+        <p:spPr>
+          <a:xfrm>
+            <a:off x="5863660" y="3362100"/>
+            <a:ext cx="1468245" cy="423739"/>
+          </a:xfrm>
+          <a:prstGeom prst="rect">
+            <a:avLst/>
+          </a:prstGeom>
+          <a:ln>
+            <a:noFill/>
+          </a:ln>
+        </p:spPr>
+        <p:style>
+          <a:lnRef idx="2">
+            <a:schemeClr val="accent3">
+              <a:shade val="50000"/>
+            </a:schemeClr>
+          </a:lnRef>
+          <a:fillRef idx="1">
+            <a:schemeClr val="accent3"/>
+          </a:fillRef>
+          <a:effectRef idx="0">
+            <a:schemeClr val="accent3"/>
+          </a:effectRef>
+          <a:fontRef idx="minor">
+            <a:schemeClr val="lt1"/>
+          </a:fontRef>
+        </p:style>
+        <p:txBody>
+          <a:bodyPr rtlCol="0" anchor="ctr"/>
+          <a:lstStyle/>
+          <a:p>
+            <a:pPr algn="ctr"/>
+            <a:r>
+              <a:rPr lang="en-CN" sz="1400"/>
+              <a:t>Record/Notify</a:t>
+            </a:r>
+          </a:p>
+        </p:txBody>
+      </p:sp>
+      <p:sp>
+        <p:nvSpPr>
+          <p:cNvPr id="40" name="Rectangle 39">
+            <a:extLst>
+              <a:ext uri="{FF2B5EF4-FFF2-40B4-BE49-F238E27FC236}">
+                <a16:creationId xmlns:a16="http://schemas.microsoft.com/office/drawing/2014/main" id="{78A9D56F-43CC-044F-90E0-4065CDA1DAEC}"/>
+              </a:ext>
+            </a:extLst>
+          </p:cNvPr>
+          <p:cNvSpPr/>
+          <p:nvPr/>
+        </p:nvSpPr>
+        <p:spPr>
+          <a:xfrm>
+            <a:off x="7652491" y="3362100"/>
+            <a:ext cx="1468245" cy="423739"/>
+          </a:xfrm>
+          <a:prstGeom prst="rect">
+            <a:avLst/>
+          </a:prstGeom>
+          <a:ln>
+            <a:noFill/>
+          </a:ln>
+        </p:spPr>
+        <p:style>
+          <a:lnRef idx="2">
+            <a:schemeClr val="accent3">
+              <a:shade val="50000"/>
+            </a:schemeClr>
+          </a:lnRef>
+          <a:fillRef idx="1">
+            <a:schemeClr val="accent3"/>
+          </a:fillRef>
+          <a:effectRef idx="0">
+            <a:schemeClr val="accent3"/>
+          </a:effectRef>
+          <a:fontRef idx="minor">
+            <a:schemeClr val="lt1"/>
+          </a:fontRef>
+        </p:style>
+        <p:txBody>
+          <a:bodyPr rtlCol="0" anchor="ctr"/>
+          <a:lstStyle/>
+          <a:p>
+            <a:pPr algn="ctr"/>
+            <a:r>
+              <a:rPr lang="en-CN" sz="1400"/>
+              <a:t>Approve</a:t>
+            </a:r>
+          </a:p>
+        </p:txBody>
+      </p:sp>
+      <p:sp>
+        <p:nvSpPr>
+          <p:cNvPr id="41" name="Rectangle 40">
+            <a:extLst>
+              <a:ext uri="{FF2B5EF4-FFF2-40B4-BE49-F238E27FC236}">
+                <a16:creationId xmlns:a16="http://schemas.microsoft.com/office/drawing/2014/main" id="{4EE2378B-3F7D-C948-AF6A-473950B083A6}"/>
+              </a:ext>
+            </a:extLst>
+          </p:cNvPr>
+          <p:cNvSpPr/>
+          <p:nvPr/>
+        </p:nvSpPr>
+        <p:spPr>
+          <a:xfrm>
+            <a:off x="9441320" y="3362100"/>
+            <a:ext cx="1468245" cy="423739"/>
+          </a:xfrm>
+          <a:prstGeom prst="rect">
+            <a:avLst/>
+          </a:prstGeom>
+          <a:ln>
+            <a:noFill/>
+          </a:ln>
+        </p:spPr>
+        <p:style>
+          <a:lnRef idx="2">
+            <a:schemeClr val="accent3">
+              <a:shade val="50000"/>
+            </a:schemeClr>
+          </a:lnRef>
+          <a:fillRef idx="1">
+            <a:schemeClr val="accent3"/>
+          </a:fillRef>
+          <a:effectRef idx="0">
+            <a:schemeClr val="accent3"/>
+          </a:effectRef>
+          <a:fontRef idx="minor">
+            <a:schemeClr val="lt1"/>
+          </a:fontRef>
+        </p:style>
+        <p:txBody>
+          <a:bodyPr rtlCol="0" anchor="ctr"/>
+          <a:lstStyle/>
+          <a:p>
+            <a:pPr algn="ctr"/>
+            <a:r>
+              <a:rPr lang="en-CN" sz="1400"/>
+              <a:t>Whitelisted</a:t>
+            </a:r>
+          </a:p>
+        </p:txBody>
+      </p:sp>
+      <p:sp>
+        <p:nvSpPr>
+          <p:cNvPr id="43" name="Rectangle 42">
+            <a:extLst>
+              <a:ext uri="{FF2B5EF4-FFF2-40B4-BE49-F238E27FC236}">
+                <a16:creationId xmlns:a16="http://schemas.microsoft.com/office/drawing/2014/main" id="{15BAB13F-7751-734F-B354-333ADF622436}"/>
+              </a:ext>
+            </a:extLst>
+          </p:cNvPr>
+          <p:cNvSpPr/>
+          <p:nvPr/>
+        </p:nvSpPr>
+        <p:spPr>
+          <a:xfrm>
+            <a:off x="2285998" y="4588740"/>
+            <a:ext cx="1468245" cy="423739"/>
+          </a:xfrm>
+          <a:prstGeom prst="rect">
+            <a:avLst/>
+          </a:prstGeom>
+          <a:ln>
+            <a:noFill/>
+          </a:ln>
+        </p:spPr>
+        <p:style>
+          <a:lnRef idx="2">
+            <a:schemeClr val="accent3">
+              <a:shade val="50000"/>
+            </a:schemeClr>
+          </a:lnRef>
+          <a:fillRef idx="1">
+            <a:schemeClr val="accent3"/>
+          </a:fillRef>
+          <a:effectRef idx="0">
+            <a:schemeClr val="accent3"/>
+          </a:effectRef>
+          <a:fontRef idx="minor">
+            <a:schemeClr val="lt1"/>
+          </a:fontRef>
+        </p:style>
+        <p:txBody>
+          <a:bodyPr rtlCol="0" anchor="ctr"/>
+          <a:lstStyle/>
+          <a:p>
+            <a:pPr algn="ctr"/>
+            <a:r>
+              <a:rPr lang="en-CN" sz="1400"/>
+              <a:t>Block Download </a:t>
+            </a:r>
+          </a:p>
+        </p:txBody>
+      </p:sp>
+      <p:sp>
+        <p:nvSpPr>
+          <p:cNvPr id="44" name="Rectangle 43">
+            <a:extLst>
+              <a:ext uri="{FF2B5EF4-FFF2-40B4-BE49-F238E27FC236}">
+                <a16:creationId xmlns:a16="http://schemas.microsoft.com/office/drawing/2014/main" id="{C86D9738-A336-DC48-AF14-A2B488A353E2}"/>
+              </a:ext>
+            </a:extLst>
+          </p:cNvPr>
+          <p:cNvSpPr/>
+          <p:nvPr/>
+        </p:nvSpPr>
+        <p:spPr>
+          <a:xfrm>
+            <a:off x="4074829" y="4588740"/>
+            <a:ext cx="1468245" cy="423739"/>
+          </a:xfrm>
+          <a:prstGeom prst="rect">
+            <a:avLst/>
+          </a:prstGeom>
+          <a:ln>
+            <a:noFill/>
+          </a:ln>
+        </p:spPr>
+        <p:style>
+          <a:lnRef idx="2">
+            <a:schemeClr val="accent3">
+              <a:shade val="50000"/>
+            </a:schemeClr>
+          </a:lnRef>
+          <a:fillRef idx="1">
+            <a:schemeClr val="accent3"/>
+          </a:fillRef>
+          <a:effectRef idx="0">
+            <a:schemeClr val="accent3"/>
+          </a:effectRef>
+          <a:fontRef idx="minor">
+            <a:schemeClr val="lt1"/>
+          </a:fontRef>
+        </p:style>
+        <p:txBody>
+          <a:bodyPr rtlCol="0" anchor="ctr"/>
+          <a:lstStyle/>
+          <a:p>
+            <a:pPr algn="ctr"/>
+            <a:r>
+              <a:rPr lang="en-CN" sz="1400"/>
+              <a:t>Xray IDE Plugin</a:t>
+            </a:r>
+          </a:p>
+        </p:txBody>
+      </p:sp>
+      <p:sp>
+        <p:nvSpPr>
+          <p:cNvPr id="45" name="Rectangle 44">
+            <a:extLst>
+              <a:ext uri="{FF2B5EF4-FFF2-40B4-BE49-F238E27FC236}">
+                <a16:creationId xmlns:a16="http://schemas.microsoft.com/office/drawing/2014/main" id="{3FD527FF-629D-0C4D-9AD0-FCF2B5D2AE12}"/>
+              </a:ext>
+            </a:extLst>
+          </p:cNvPr>
+          <p:cNvSpPr/>
+          <p:nvPr/>
+        </p:nvSpPr>
+        <p:spPr>
+          <a:xfrm>
+            <a:off x="5863660" y="4399158"/>
+            <a:ext cx="1468245" cy="802901"/>
+          </a:xfrm>
+          <a:prstGeom prst="rect">
+            <a:avLst/>
+          </a:prstGeom>
+          <a:ln>
+            <a:noFill/>
+          </a:ln>
+        </p:spPr>
+        <p:style>
+          <a:lnRef idx="2">
+            <a:schemeClr val="accent3">
+              <a:shade val="50000"/>
+            </a:schemeClr>
+          </a:lnRef>
+          <a:fillRef idx="1">
+            <a:schemeClr val="accent3"/>
+          </a:fillRef>
+          <a:effectRef idx="0">
+            <a:schemeClr val="accent3"/>
+          </a:effectRef>
+          <a:fontRef idx="minor">
+            <a:schemeClr val="lt1"/>
+          </a:fontRef>
+        </p:style>
+        <p:txBody>
+          <a:bodyPr rtlCol="0" anchor="ctr"/>
+          <a:lstStyle/>
+          <a:p>
+            <a:pPr algn="ctr"/>
+            <a:r>
+              <a:rPr lang="en-CN" sz="1400"/>
+              <a:t>Meta data</a:t>
+            </a:r>
+          </a:p>
+          <a:p>
+            <a:pPr algn="ctr"/>
+            <a:r>
+              <a:rPr lang="en-CN" sz="1400"/>
+              <a:t>Webhook</a:t>
+            </a:r>
+          </a:p>
+          <a:p>
+            <a:pPr algn="ctr"/>
+            <a:r>
+              <a:rPr lang="en-CN" sz="1400"/>
+              <a:t>Generic Repo</a:t>
+            </a:r>
+          </a:p>
+        </p:txBody>
+      </p:sp>
+      <p:sp>
+        <p:nvSpPr>
+          <p:cNvPr id="46" name="Rectangle 45">
+            <a:extLst>
+              <a:ext uri="{FF2B5EF4-FFF2-40B4-BE49-F238E27FC236}">
+                <a16:creationId xmlns:a16="http://schemas.microsoft.com/office/drawing/2014/main" id="{A9C31746-846A-BB43-A7E3-71BE57A82CC1}"/>
+              </a:ext>
+            </a:extLst>
+          </p:cNvPr>
+          <p:cNvSpPr/>
+          <p:nvPr/>
+        </p:nvSpPr>
+        <p:spPr>
+          <a:xfrm>
+            <a:off x="7652491" y="4588740"/>
+            <a:ext cx="1468245" cy="423739"/>
+          </a:xfrm>
+          <a:prstGeom prst="rect">
+            <a:avLst/>
+          </a:prstGeom>
+          <a:ln>
+            <a:noFill/>
+          </a:ln>
+        </p:spPr>
+        <p:style>
+          <a:lnRef idx="2">
+            <a:schemeClr val="accent3">
+              <a:shade val="50000"/>
+            </a:schemeClr>
+          </a:lnRef>
+          <a:fillRef idx="1">
+            <a:schemeClr val="accent3"/>
+          </a:fillRef>
+          <a:effectRef idx="0">
+            <a:schemeClr val="accent3"/>
+          </a:effectRef>
+          <a:fontRef idx="minor">
+            <a:schemeClr val="lt1"/>
+          </a:fontRef>
+        </p:style>
+        <p:txBody>
+          <a:bodyPr rtlCol="0" anchor="ctr"/>
+          <a:lstStyle/>
+          <a:p>
+            <a:pPr algn="ctr"/>
+            <a:r>
+              <a:rPr lang="en-CN" sz="1400"/>
+              <a:t>API/AQL</a:t>
+            </a:r>
+          </a:p>
+        </p:txBody>
+      </p:sp>
+      <p:sp>
+        <p:nvSpPr>
+          <p:cNvPr id="47" name="Rectangle 46">
+            <a:extLst>
+              <a:ext uri="{FF2B5EF4-FFF2-40B4-BE49-F238E27FC236}">
+                <a16:creationId xmlns:a16="http://schemas.microsoft.com/office/drawing/2014/main" id="{94B58766-A94D-354D-853C-1737DD989949}"/>
+              </a:ext>
+            </a:extLst>
+          </p:cNvPr>
+          <p:cNvSpPr/>
+          <p:nvPr/>
+        </p:nvSpPr>
+        <p:spPr>
+          <a:xfrm>
+            <a:off x="9441320" y="4588740"/>
+            <a:ext cx="1468245" cy="423739"/>
+          </a:xfrm>
+          <a:prstGeom prst="rect">
+            <a:avLst/>
+          </a:prstGeom>
+          <a:ln>
+            <a:noFill/>
+          </a:ln>
+        </p:spPr>
+        <p:style>
+          <a:lnRef idx="2">
+            <a:schemeClr val="accent3">
+              <a:shade val="50000"/>
+            </a:schemeClr>
+          </a:lnRef>
+          <a:fillRef idx="1">
+            <a:schemeClr val="accent3"/>
+          </a:fillRef>
+          <a:effectRef idx="0">
+            <a:schemeClr val="accent3"/>
+          </a:effectRef>
+          <a:fontRef idx="minor">
+            <a:schemeClr val="lt1"/>
+          </a:fontRef>
+        </p:style>
+        <p:txBody>
+          <a:bodyPr rtlCol="0" anchor="ctr"/>
+          <a:lstStyle/>
+          <a:p>
+            <a:pPr algn="ctr"/>
+            <a:r>
+              <a:rPr lang="en-CN" sz="1400"/>
+              <a:t>Virtual Repo</a:t>
+            </a:r>
+          </a:p>
+        </p:txBody>
+      </p:sp>
       <p:grpSp>
         <p:nvGrpSpPr>
           <p:cNvPr id="48" name="Group 47">

--- a/xray_whitelist_demo.pptx
+++ b/xray_whitelist_demo.pptx
@@ -5745,6 +5745,57 @@
           <a:chExt cx="0" cy="0"/>
         </a:xfrm>
       </p:grpSpPr>
+      <p:sp>
+        <p:nvSpPr>
+          <p:cNvPr id="12" name="TextBox 11">
+            <a:extLst>
+              <a:ext uri="{FF2B5EF4-FFF2-40B4-BE49-F238E27FC236}">
+                <a16:creationId xmlns:a16="http://schemas.microsoft.com/office/drawing/2014/main" id="{9CC0A47F-F86F-4941-9096-E00E537C1B5D}"/>
+              </a:ext>
+            </a:extLst>
+          </p:cNvPr>
+          <p:cNvSpPr txBox="1"/>
+          <p:nvPr/>
+        </p:nvSpPr>
+        <p:spPr>
+          <a:xfrm>
+            <a:off x="7157154" y="913994"/>
+            <a:ext cx="3910429" cy="738664"/>
+          </a:xfrm>
+          <a:prstGeom prst="rect">
+            <a:avLst/>
+          </a:prstGeom>
+          <a:noFill/>
+        </p:spPr>
+        <p:txBody>
+          <a:bodyPr wrap="none" rtlCol="0">
+            <a:spAutoFit/>
+          </a:bodyPr>
+          <a:lstStyle/>
+          <a:p>
+            <a:pPr algn="r"/>
+            <a:r>
+              <a:rPr lang="en-CN" sz="1400"/>
+              <a:t>2021-05</a:t>
+            </a:r>
+          </a:p>
+          <a:p>
+            <a:pPr algn="r"/>
+            <a:r>
+              <a:rPr lang="en-CN" sz="1400"/>
+              <a:t>Kyle Zhang</a:t>
+            </a:r>
+          </a:p>
+          <a:p>
+            <a:pPr algn="r"/>
+            <a:r>
+              <a:rPr lang="en-US" sz="1400"/>
+              <a:t>https://github.com/kyle11235/xray-whitelist-demo</a:t>
+            </a:r>
+            <a:endParaRPr lang="en-CN" sz="1400"/>
+          </a:p>
+        </p:txBody>
+      </p:sp>
       <p:grpSp>
         <p:nvGrpSpPr>
           <p:cNvPr id="21" name="Group 20">
@@ -5759,10 +5810,10 @@
         </p:nvGrpSpPr>
         <p:grpSpPr>
           <a:xfrm>
-            <a:off x="1124413" y="1734008"/>
-            <a:ext cx="9943173" cy="4906564"/>
+            <a:off x="1124417" y="2123461"/>
+            <a:ext cx="9943173" cy="3679923"/>
             <a:chOff x="888380" y="1628071"/>
-            <a:chExt cx="10415242" cy="4906564"/>
+            <a:chExt cx="10415242" cy="3679923"/>
           </a:xfrm>
         </p:grpSpPr>
         <p:sp>
@@ -5927,60 +5978,6 @@
             </a:p>
           </p:txBody>
         </p:sp>
-        <p:sp>
-          <p:nvSpPr>
-            <p:cNvPr id="7" name="Rectangle 6">
-              <a:extLst>
-                <a:ext uri="{FF2B5EF4-FFF2-40B4-BE49-F238E27FC236}">
-                  <a16:creationId xmlns:a16="http://schemas.microsoft.com/office/drawing/2014/main" id="{DD6FFCDF-AC13-274D-94A9-AB2928B4B4AD}"/>
-                </a:ext>
-              </a:extLst>
-            </p:cNvPr>
-            <p:cNvSpPr/>
-            <p:nvPr/>
-          </p:nvSpPr>
-          <p:spPr>
-            <a:xfrm>
-              <a:off x="888380" y="5307994"/>
-              <a:ext cx="10415239" cy="1226641"/>
-            </a:xfrm>
-            <a:prstGeom prst="rect">
-              <a:avLst/>
-            </a:prstGeom>
-            <a:noFill/>
-            <a:ln>
-              <a:prstDash val="dash"/>
-            </a:ln>
-          </p:spPr>
-          <p:style>
-            <a:lnRef idx="2">
-              <a:schemeClr val="accent6"/>
-            </a:lnRef>
-            <a:fillRef idx="1">
-              <a:schemeClr val="lt1"/>
-            </a:fillRef>
-            <a:effectRef idx="0">
-              <a:schemeClr val="accent6"/>
-            </a:effectRef>
-            <a:fontRef idx="minor">
-              <a:schemeClr val="dk1"/>
-            </a:fontRef>
-          </p:style>
-          <p:txBody>
-            <a:bodyPr rtlCol="0" anchor="ctr"/>
-            <a:lstStyle/>
-            <a:p>
-              <a:r>
-                <a:rPr lang="en-CN">
-                  <a:solidFill>
-                    <a:schemeClr val="tx1"/>
-                  </a:solidFill>
-                </a:rPr>
-                <a:t>Cue</a:t>
-              </a:r>
-            </a:p>
-          </p:txBody>
-        </p:sp>
       </p:grpSp>
       <p:sp>
         <p:nvSpPr>
@@ -5996,7 +5993,7 @@
         </p:nvSpPr>
         <p:spPr>
           <a:xfrm>
-            <a:off x="2285998" y="2135459"/>
+            <a:off x="2286002" y="2524912"/>
             <a:ext cx="1468245" cy="423739"/>
           </a:xfrm>
           <a:prstGeom prst="rect">
@@ -6044,7 +6041,7 @@
         </p:nvSpPr>
         <p:spPr>
           <a:xfrm>
-            <a:off x="7652491" y="2135459"/>
+            <a:off x="7652495" y="2524912"/>
             <a:ext cx="1468245" cy="423739"/>
           </a:xfrm>
           <a:prstGeom prst="rect">
@@ -6092,7 +6089,7 @@
         </p:nvSpPr>
         <p:spPr>
           <a:xfrm>
-            <a:off x="2285998" y="3362100"/>
+            <a:off x="2286002" y="3751553"/>
             <a:ext cx="1468245" cy="423739"/>
           </a:xfrm>
           <a:prstGeom prst="rect">
@@ -6144,7 +6141,7 @@
         </p:nvSpPr>
         <p:spPr>
           <a:xfrm>
-            <a:off x="4074829" y="3362100"/>
+            <a:off x="4074833" y="3751553"/>
             <a:ext cx="1468245" cy="423739"/>
           </a:xfrm>
           <a:prstGeom prst="rect">
@@ -6196,7 +6193,7 @@
         </p:nvSpPr>
         <p:spPr>
           <a:xfrm>
-            <a:off x="5863660" y="3362100"/>
+            <a:off x="5863664" y="3751553"/>
             <a:ext cx="1468245" cy="423739"/>
           </a:xfrm>
           <a:prstGeom prst="rect">
@@ -6248,7 +6245,7 @@
         </p:nvSpPr>
         <p:spPr>
           <a:xfrm>
-            <a:off x="7652491" y="3362100"/>
+            <a:off x="7652495" y="3751553"/>
             <a:ext cx="1468245" cy="423739"/>
           </a:xfrm>
           <a:prstGeom prst="rect">
@@ -6300,7 +6297,7 @@
         </p:nvSpPr>
         <p:spPr>
           <a:xfrm>
-            <a:off x="9441320" y="3362100"/>
+            <a:off x="9441324" y="3751553"/>
             <a:ext cx="1468245" cy="423739"/>
           </a:xfrm>
           <a:prstGeom prst="rect">
@@ -6352,7 +6349,7 @@
         </p:nvSpPr>
         <p:spPr>
           <a:xfrm>
-            <a:off x="2285998" y="4588740"/>
+            <a:off x="2286002" y="4978193"/>
             <a:ext cx="1468245" cy="423739"/>
           </a:xfrm>
           <a:prstGeom prst="rect">
@@ -6404,7 +6401,7 @@
         </p:nvSpPr>
         <p:spPr>
           <a:xfrm>
-            <a:off x="4074829" y="4588740"/>
+            <a:off x="4074833" y="4978193"/>
             <a:ext cx="1468245" cy="423739"/>
           </a:xfrm>
           <a:prstGeom prst="rect">
@@ -6456,7 +6453,7 @@
         </p:nvSpPr>
         <p:spPr>
           <a:xfrm>
-            <a:off x="5863660" y="4399158"/>
+            <a:off x="5863664" y="4788611"/>
             <a:ext cx="1468245" cy="802901"/>
           </a:xfrm>
           <a:prstGeom prst="rect">
@@ -6522,7 +6519,7 @@
         </p:nvSpPr>
         <p:spPr>
           <a:xfrm>
-            <a:off x="7652491" y="4588740"/>
+            <a:off x="7652495" y="4978193"/>
             <a:ext cx="1468245" cy="423739"/>
           </a:xfrm>
           <a:prstGeom prst="rect">
@@ -6555,7 +6552,7 @@
             <a:pPr algn="ctr"/>
             <a:r>
               <a:rPr lang="en-CN" sz="1400"/>
-              <a:t>API/AQL</a:t>
+              <a:t>API/AQL/CLI</a:t>
             </a:r>
           </a:p>
         </p:txBody>
@@ -6574,7 +6571,7 @@
         </p:nvSpPr>
         <p:spPr>
           <a:xfrm>
-            <a:off x="9441320" y="4588740"/>
+            <a:off x="9441324" y="4978193"/>
             <a:ext cx="1468245" cy="423739"/>
           </a:xfrm>
           <a:prstGeom prst="rect">
@@ -6612,171 +6609,6 @@
           </a:p>
         </p:txBody>
       </p:sp>
-      <p:grpSp>
-        <p:nvGrpSpPr>
-          <p:cNvPr id="48" name="Group 47">
-            <a:extLst>
-              <a:ext uri="{FF2B5EF4-FFF2-40B4-BE49-F238E27FC236}">
-                <a16:creationId xmlns:a16="http://schemas.microsoft.com/office/drawing/2014/main" id="{B983D884-CC28-2D49-AF31-E10AD4581C93}"/>
-              </a:ext>
-            </a:extLst>
-          </p:cNvPr>
-          <p:cNvGrpSpPr/>
-          <p:nvPr/>
-        </p:nvGrpSpPr>
-        <p:grpSpPr>
-          <a:xfrm>
-            <a:off x="4074829" y="5813730"/>
-            <a:ext cx="5045907" cy="423739"/>
-            <a:chOff x="4232806" y="2139361"/>
-            <a:chExt cx="5045907" cy="423739"/>
-          </a:xfrm>
-        </p:grpSpPr>
-        <p:sp>
-          <p:nvSpPr>
-            <p:cNvPr id="50" name="Rectangle 49">
-              <a:extLst>
-                <a:ext uri="{FF2B5EF4-FFF2-40B4-BE49-F238E27FC236}">
-                  <a16:creationId xmlns:a16="http://schemas.microsoft.com/office/drawing/2014/main" id="{17FF3F58-E805-9C46-A598-039898382611}"/>
-                </a:ext>
-              </a:extLst>
-            </p:cNvPr>
-            <p:cNvSpPr/>
-            <p:nvPr/>
-          </p:nvSpPr>
-          <p:spPr>
-            <a:xfrm>
-              <a:off x="4232806" y="2139361"/>
-              <a:ext cx="1468245" cy="423739"/>
-            </a:xfrm>
-            <a:prstGeom prst="rect">
-              <a:avLst/>
-            </a:prstGeom>
-            <a:ln/>
-          </p:spPr>
-          <p:style>
-            <a:lnRef idx="2">
-              <a:schemeClr val="accent1"/>
-            </a:lnRef>
-            <a:fillRef idx="1">
-              <a:schemeClr val="lt1"/>
-            </a:fillRef>
-            <a:effectRef idx="0">
-              <a:schemeClr val="accent1"/>
-            </a:effectRef>
-            <a:fontRef idx="minor">
-              <a:schemeClr val="dk1"/>
-            </a:fontRef>
-          </p:style>
-          <p:txBody>
-            <a:bodyPr rtlCol="0" anchor="ctr"/>
-            <a:lstStyle/>
-            <a:p>
-              <a:pPr algn="ctr"/>
-              <a:r>
-                <a:rPr lang="en-CN" sz="1400"/>
-                <a:t>?</a:t>
-              </a:r>
-            </a:p>
-          </p:txBody>
-        </p:sp>
-        <p:sp>
-          <p:nvSpPr>
-            <p:cNvPr id="51" name="Rectangle 50">
-              <a:extLst>
-                <a:ext uri="{FF2B5EF4-FFF2-40B4-BE49-F238E27FC236}">
-                  <a16:creationId xmlns:a16="http://schemas.microsoft.com/office/drawing/2014/main" id="{BED73CD9-97BC-BA47-85AC-F71169AF2604}"/>
-                </a:ext>
-              </a:extLst>
-            </p:cNvPr>
-            <p:cNvSpPr/>
-            <p:nvPr/>
-          </p:nvSpPr>
-          <p:spPr>
-            <a:xfrm>
-              <a:off x="6021637" y="2139361"/>
-              <a:ext cx="1468245" cy="423739"/>
-            </a:xfrm>
-            <a:prstGeom prst="rect">
-              <a:avLst/>
-            </a:prstGeom>
-            <a:ln/>
-          </p:spPr>
-          <p:style>
-            <a:lnRef idx="2">
-              <a:schemeClr val="accent1"/>
-            </a:lnRef>
-            <a:fillRef idx="1">
-              <a:schemeClr val="lt1"/>
-            </a:fillRef>
-            <a:effectRef idx="0">
-              <a:schemeClr val="accent1"/>
-            </a:effectRef>
-            <a:fontRef idx="minor">
-              <a:schemeClr val="dk1"/>
-            </a:fontRef>
-          </p:style>
-          <p:txBody>
-            <a:bodyPr rtlCol="0" anchor="ctr"/>
-            <a:lstStyle/>
-            <a:p>
-              <a:pPr algn="ctr"/>
-              <a:r>
-                <a:rPr lang="en-CN" sz="1400"/>
-                <a:t>?</a:t>
-              </a:r>
-            </a:p>
-          </p:txBody>
-        </p:sp>
-        <p:sp>
-          <p:nvSpPr>
-            <p:cNvPr id="52" name="Rectangle 51">
-              <a:extLst>
-                <a:ext uri="{FF2B5EF4-FFF2-40B4-BE49-F238E27FC236}">
-                  <a16:creationId xmlns:a16="http://schemas.microsoft.com/office/drawing/2014/main" id="{DECDA2AF-9BFF-E943-B30B-BCD43178557C}"/>
-                </a:ext>
-              </a:extLst>
-            </p:cNvPr>
-            <p:cNvSpPr/>
-            <p:nvPr/>
-          </p:nvSpPr>
-          <p:spPr>
-            <a:xfrm>
-              <a:off x="7810468" y="2139361"/>
-              <a:ext cx="1468245" cy="423739"/>
-            </a:xfrm>
-            <a:prstGeom prst="rect">
-              <a:avLst/>
-            </a:prstGeom>
-            <a:ln/>
-          </p:spPr>
-          <p:style>
-            <a:lnRef idx="2">
-              <a:schemeClr val="accent1"/>
-            </a:lnRef>
-            <a:fillRef idx="1">
-              <a:schemeClr val="lt1"/>
-            </a:fillRef>
-            <a:effectRef idx="0">
-              <a:schemeClr val="accent1"/>
-            </a:effectRef>
-            <a:fontRef idx="minor">
-              <a:schemeClr val="dk1"/>
-            </a:fontRef>
-          </p:style>
-          <p:txBody>
-            <a:bodyPr rtlCol="0" anchor="ctr"/>
-            <a:lstStyle/>
-            <a:p>
-              <a:pPr algn="ctr"/>
-              <a:r>
-                <a:rPr lang="en-CN" sz="1400"/>
-                <a:t>?</a:t>
-              </a:r>
-            </a:p>
-          </p:txBody>
-        </p:sp>
-      </p:grpSp>
       <p:cxnSp>
         <p:nvCxnSpPr>
           <p:cNvPr id="56" name="Straight Arrow Connector 55">
@@ -6794,7 +6626,7 @@
         </p:nvCxnSpPr>
         <p:spPr>
           <a:xfrm>
-            <a:off x="3754243" y="3573970"/>
+            <a:off x="3754247" y="3963423"/>
             <a:ext cx="320586" cy="0"/>
           </a:xfrm>
           <a:prstGeom prst="straightConnector1">
@@ -6837,7 +6669,7 @@
         </p:nvCxnSpPr>
         <p:spPr>
           <a:xfrm>
-            <a:off x="5543074" y="3573970"/>
+            <a:off x="5543078" y="3963423"/>
             <a:ext cx="320586" cy="0"/>
           </a:xfrm>
           <a:prstGeom prst="straightConnector1">
@@ -6880,7 +6712,7 @@
         </p:nvCxnSpPr>
         <p:spPr>
           <a:xfrm>
-            <a:off x="7331905" y="3573970"/>
+            <a:off x="7331909" y="3963423"/>
             <a:ext cx="320586" cy="0"/>
           </a:xfrm>
           <a:prstGeom prst="straightConnector1">
@@ -6923,7 +6755,7 @@
         </p:nvCxnSpPr>
         <p:spPr>
           <a:xfrm>
-            <a:off x="9120736" y="3573970"/>
+            <a:off x="9120740" y="3963423"/>
             <a:ext cx="320584" cy="0"/>
           </a:xfrm>
           <a:prstGeom prst="straightConnector1">
@@ -6966,7 +6798,7 @@
         </p:nvCxnSpPr>
         <p:spPr>
           <a:xfrm>
-            <a:off x="3020121" y="2559198"/>
+            <a:off x="3020125" y="2948651"/>
             <a:ext cx="0" cy="802902"/>
           </a:xfrm>
           <a:prstGeom prst="straightConnector1">
@@ -7009,7 +6841,7 @@
         </p:nvCxnSpPr>
         <p:spPr>
           <a:xfrm>
-            <a:off x="3020121" y="3785839"/>
+            <a:off x="3020125" y="4175292"/>
             <a:ext cx="0" cy="802901"/>
           </a:xfrm>
           <a:prstGeom prst="straightConnector1">
@@ -7052,7 +6884,7 @@
         </p:nvCxnSpPr>
         <p:spPr>
           <a:xfrm>
-            <a:off x="4808952" y="3785839"/>
+            <a:off x="4808956" y="4175292"/>
             <a:ext cx="0" cy="802901"/>
           </a:xfrm>
           <a:prstGeom prst="straightConnector1">
@@ -7095,7 +6927,7 @@
         </p:nvCxnSpPr>
         <p:spPr>
           <a:xfrm>
-            <a:off x="6597783" y="3785839"/>
+            <a:off x="6597787" y="4175292"/>
             <a:ext cx="0" cy="613319"/>
           </a:xfrm>
           <a:prstGeom prst="straightConnector1">
@@ -7138,7 +6970,7 @@
         </p:nvCxnSpPr>
         <p:spPr>
           <a:xfrm>
-            <a:off x="8386614" y="3785839"/>
+            <a:off x="8386618" y="4175292"/>
             <a:ext cx="0" cy="802901"/>
           </a:xfrm>
           <a:prstGeom prst="straightConnector1">
@@ -7181,7 +7013,7 @@
         </p:nvCxnSpPr>
         <p:spPr>
           <a:xfrm>
-            <a:off x="10175443" y="3785839"/>
+            <a:off x="10175447" y="4175292"/>
             <a:ext cx="0" cy="802901"/>
           </a:xfrm>
           <a:prstGeom prst="straightConnector1">
@@ -7224,7 +7056,7 @@
         </p:nvCxnSpPr>
         <p:spPr>
           <a:xfrm>
-            <a:off x="8386614" y="2559198"/>
+            <a:off x="8386618" y="2948651"/>
             <a:ext cx="0" cy="802902"/>
           </a:xfrm>
           <a:prstGeom prst="straightConnector1">
@@ -7267,7 +7099,7 @@
         </p:nvCxnSpPr>
         <p:spPr>
           <a:xfrm>
-            <a:off x="3020120" y="1550013"/>
+            <a:off x="3020124" y="1939466"/>
             <a:ext cx="1" cy="585446"/>
           </a:xfrm>
           <a:prstGeom prst="straightConnector1">
@@ -7306,7 +7138,7 @@
         </p:nvSpPr>
         <p:spPr>
           <a:xfrm>
-            <a:off x="2412378" y="1170872"/>
+            <a:off x="2412382" y="1560325"/>
             <a:ext cx="1215483" cy="379141"/>
           </a:xfrm>
           <a:prstGeom prst="roundRect">
@@ -7344,57 +7176,6 @@
       </p:sp>
       <p:sp>
         <p:nvSpPr>
-          <p:cNvPr id="12" name="TextBox 11">
-            <a:extLst>
-              <a:ext uri="{FF2B5EF4-FFF2-40B4-BE49-F238E27FC236}">
-                <a16:creationId xmlns:a16="http://schemas.microsoft.com/office/drawing/2014/main" id="{9CC0A47F-F86F-4941-9096-E00E537C1B5D}"/>
-              </a:ext>
-            </a:extLst>
-          </p:cNvPr>
-          <p:cNvSpPr txBox="1"/>
-          <p:nvPr/>
-        </p:nvSpPr>
-        <p:spPr>
-          <a:xfrm>
-            <a:off x="7157154" y="913994"/>
-            <a:ext cx="3910429" cy="738664"/>
-          </a:xfrm>
-          <a:prstGeom prst="rect">
-            <a:avLst/>
-          </a:prstGeom>
-          <a:noFill/>
-        </p:spPr>
-        <p:txBody>
-          <a:bodyPr wrap="none" rtlCol="0">
-            <a:spAutoFit/>
-          </a:bodyPr>
-          <a:lstStyle/>
-          <a:p>
-            <a:pPr algn="r"/>
-            <a:r>
-              <a:rPr lang="en-CN" sz="1400"/>
-              <a:t>2021-05</a:t>
-            </a:r>
-          </a:p>
-          <a:p>
-            <a:pPr algn="r"/>
-            <a:r>
-              <a:rPr lang="en-CN" sz="1400"/>
-              <a:t>Kyle Zhang</a:t>
-            </a:r>
-          </a:p>
-          <a:p>
-            <a:pPr algn="r"/>
-            <a:r>
-              <a:rPr lang="en-US" sz="1400"/>
-              <a:t>https://github.com/kyle11235/xray-whitelist-demo</a:t>
-            </a:r>
-            <a:endParaRPr lang="en-CN" sz="1400"/>
-          </a:p>
-        </p:txBody>
-      </p:sp>
-      <p:sp>
-        <p:nvSpPr>
           <p:cNvPr id="53" name="Rounded Rectangle 52">
             <a:extLst>
               <a:ext uri="{FF2B5EF4-FFF2-40B4-BE49-F238E27FC236}">
@@ -7407,7 +7188,7 @@
         </p:nvSpPr>
         <p:spPr>
           <a:xfrm>
-            <a:off x="9567700" y="5837681"/>
+            <a:off x="9567704" y="6227134"/>
             <a:ext cx="1215483" cy="379141"/>
           </a:xfrm>
           <a:prstGeom prst="roundRect">
@@ -7461,7 +7242,7 @@
         </p:nvCxnSpPr>
         <p:spPr>
           <a:xfrm flipH="1">
-            <a:off x="10175442" y="5012479"/>
+            <a:off x="10175446" y="5401932"/>
             <a:ext cx="1" cy="825202"/>
           </a:xfrm>
           <a:prstGeom prst="straightConnector1">

--- a/xray_whitelist_demo.pptx
+++ b/xray_whitelist_demo.pptx
@@ -6122,7 +6122,7 @@
             <a:pPr algn="ctr"/>
             <a:r>
               <a:rPr lang="en-CN" sz="1400"/>
-              <a:t>Be Blocked</a:t>
+              <a:t>Develop</a:t>
             </a:r>
           </a:p>
         </p:txBody>
@@ -7188,7 +7188,7 @@
         </p:nvSpPr>
         <p:spPr>
           <a:xfrm>
-            <a:off x="9567704" y="6227134"/>
+            <a:off x="9567704" y="6037563"/>
             <a:ext cx="1215483" cy="379141"/>
           </a:xfrm>
           <a:prstGeom prst="roundRect">
@@ -7243,7 +7243,7 @@
         <p:spPr>
           <a:xfrm flipH="1">
             <a:off x="10175446" y="5401932"/>
-            <a:ext cx="1" cy="825202"/>
+            <a:ext cx="1" cy="635631"/>
           </a:xfrm>
           <a:prstGeom prst="straightConnector1">
             <a:avLst/>
